--- a/MED264_Project.pptx
+++ b/MED264_Project.pptx
@@ -112,6 +112,11 @@
       </a:defRPr>
     </a:lvl9pPr>
   </p:defaultTextStyle>
+  <p:extLst>
+    <p:ext uri="{EFAFB233-063F-42B5-8137-9DF3F51BA10A}">
+      <p15:sldGuideLst xmlns:p15="http://schemas.microsoft.com/office/powerpoint/2012/main"/>
+    </p:ext>
+  </p:extLst>
 </p:presentation>
 </file>
 
@@ -262,7 +267,7 @@
           <a:p>
             <a:fld id="{C50B094C-9160-4417-B1FD-963B9BAB2361}" type="datetimeFigureOut">
               <a:rPr lang="en-US" smtClean="0"/>
-              <a:t>11/28/2021</a:t>
+              <a:t>11/29/2021</a:t>
             </a:fld>
             <a:endParaRPr lang="en-US"/>
           </a:p>
@@ -460,7 +465,7 @@
           <a:p>
             <a:fld id="{C50B094C-9160-4417-B1FD-963B9BAB2361}" type="datetimeFigureOut">
               <a:rPr lang="en-US" smtClean="0"/>
-              <a:t>11/28/2021</a:t>
+              <a:t>11/29/2021</a:t>
             </a:fld>
             <a:endParaRPr lang="en-US"/>
           </a:p>
@@ -668,7 +673,7 @@
           <a:p>
             <a:fld id="{C50B094C-9160-4417-B1FD-963B9BAB2361}" type="datetimeFigureOut">
               <a:rPr lang="en-US" smtClean="0"/>
-              <a:t>11/28/2021</a:t>
+              <a:t>11/29/2021</a:t>
             </a:fld>
             <a:endParaRPr lang="en-US"/>
           </a:p>
@@ -866,7 +871,7 @@
           <a:p>
             <a:fld id="{C50B094C-9160-4417-B1FD-963B9BAB2361}" type="datetimeFigureOut">
               <a:rPr lang="en-US" smtClean="0"/>
-              <a:t>11/28/2021</a:t>
+              <a:t>11/29/2021</a:t>
             </a:fld>
             <a:endParaRPr lang="en-US"/>
           </a:p>
@@ -1141,7 +1146,7 @@
           <a:p>
             <a:fld id="{C50B094C-9160-4417-B1FD-963B9BAB2361}" type="datetimeFigureOut">
               <a:rPr lang="en-US" smtClean="0"/>
-              <a:t>11/28/2021</a:t>
+              <a:t>11/29/2021</a:t>
             </a:fld>
             <a:endParaRPr lang="en-US"/>
           </a:p>
@@ -1406,7 +1411,7 @@
           <a:p>
             <a:fld id="{C50B094C-9160-4417-B1FD-963B9BAB2361}" type="datetimeFigureOut">
               <a:rPr lang="en-US" smtClean="0"/>
-              <a:t>11/28/2021</a:t>
+              <a:t>11/29/2021</a:t>
             </a:fld>
             <a:endParaRPr lang="en-US"/>
           </a:p>
@@ -1818,7 +1823,7 @@
           <a:p>
             <a:fld id="{C50B094C-9160-4417-B1FD-963B9BAB2361}" type="datetimeFigureOut">
               <a:rPr lang="en-US" smtClean="0"/>
-              <a:t>11/28/2021</a:t>
+              <a:t>11/29/2021</a:t>
             </a:fld>
             <a:endParaRPr lang="en-US"/>
           </a:p>
@@ -1959,7 +1964,7 @@
           <a:p>
             <a:fld id="{C50B094C-9160-4417-B1FD-963B9BAB2361}" type="datetimeFigureOut">
               <a:rPr lang="en-US" smtClean="0"/>
-              <a:t>11/28/2021</a:t>
+              <a:t>11/29/2021</a:t>
             </a:fld>
             <a:endParaRPr lang="en-US"/>
           </a:p>
@@ -2072,7 +2077,7 @@
           <a:p>
             <a:fld id="{C50B094C-9160-4417-B1FD-963B9BAB2361}" type="datetimeFigureOut">
               <a:rPr lang="en-US" smtClean="0"/>
-              <a:t>11/28/2021</a:t>
+              <a:t>11/29/2021</a:t>
             </a:fld>
             <a:endParaRPr lang="en-US"/>
           </a:p>
@@ -2383,7 +2388,7 @@
           <a:p>
             <a:fld id="{C50B094C-9160-4417-B1FD-963B9BAB2361}" type="datetimeFigureOut">
               <a:rPr lang="en-US" smtClean="0"/>
-              <a:t>11/28/2021</a:t>
+              <a:t>11/29/2021</a:t>
             </a:fld>
             <a:endParaRPr lang="en-US"/>
           </a:p>
@@ -2671,7 +2676,7 @@
           <a:p>
             <a:fld id="{C50B094C-9160-4417-B1FD-963B9BAB2361}" type="datetimeFigureOut">
               <a:rPr lang="en-US" smtClean="0"/>
-              <a:t>11/28/2021</a:t>
+              <a:t>11/29/2021</a:t>
             </a:fld>
             <a:endParaRPr lang="en-US"/>
           </a:p>
@@ -2912,7 +2917,7 @@
           <a:p>
             <a:fld id="{C50B094C-9160-4417-B1FD-963B9BAB2361}" type="datetimeFigureOut">
               <a:rPr lang="en-US" smtClean="0"/>
-              <a:t>11/28/2021</a:t>
+              <a:t>11/29/2021</a:t>
             </a:fld>
             <a:endParaRPr lang="en-US"/>
           </a:p>
@@ -4066,6 +4071,13 @@
           <a:p>
             <a:r>
               <a:rPr lang="en-US" dirty="0"/>
+              <a:t>Between Aug01- Today</a:t>
+            </a:r>
+            <a:br>
+              <a:rPr lang="en-US" dirty="0"/>
+            </a:br>
+            <a:r>
+              <a:rPr lang="en-US" dirty="0"/>
               <a:t>Univariate model for Incidence</a:t>
             </a:r>
           </a:p>
@@ -4073,10 +4085,10 @@
       </p:sp>
       <p:graphicFrame>
         <p:nvGraphicFramePr>
-          <p:cNvPr id="4" name="Content Placeholder 3">
-            <a:extLst>
-              <a:ext uri="{FF2B5EF4-FFF2-40B4-BE49-F238E27FC236}">
-                <a16:creationId xmlns:a16="http://schemas.microsoft.com/office/drawing/2014/main" id="{92EE178C-2D2C-4B55-A0DA-2D61B899EFF4}"/>
+          <p:cNvPr id="3" name="Table 2">
+            <a:extLst>
+              <a:ext uri="{FF2B5EF4-FFF2-40B4-BE49-F238E27FC236}">
+                <a16:creationId xmlns:a16="http://schemas.microsoft.com/office/drawing/2014/main" id="{9955DB4A-13BB-48CD-9C5C-367B036C48BD}"/>
               </a:ext>
             </a:extLst>
           </p:cNvPr>
@@ -4084,17 +4096,16 @@
             <a:graphicFrameLocks noGrp="1"/>
           </p:cNvGraphicFramePr>
           <p:nvPr>
-            <p:ph idx="1"/>
             <p:extLst>
               <p:ext uri="{D42A27DB-BD31-4B8C-83A1-F6EECF244321}">
-                <p14:modId xmlns:p14="http://schemas.microsoft.com/office/powerpoint/2010/main" val="2058085269"/>
+                <p14:modId xmlns:p14="http://schemas.microsoft.com/office/powerpoint/2010/main" val="4285682017"/>
               </p:ext>
             </p:extLst>
           </p:nvPr>
         </p:nvGraphicFramePr>
         <p:xfrm>
-          <a:off x="405353" y="1812794"/>
-          <a:ext cx="5429840" cy="3791793"/>
+          <a:off x="1705583" y="1950719"/>
+          <a:ext cx="5006304" cy="3851166"/>
         </p:xfrm>
         <a:graphic>
           <a:graphicData uri="http://schemas.openxmlformats.org/drawingml/2006/table">
@@ -4103,43 +4114,43 @@
                 <a:tableStyleId>{5940675A-B579-460E-94D1-54222C63F5DA}</a:tableStyleId>
               </a:tblPr>
               <a:tblGrid>
-                <a:gridCol w="1357460">
+                <a:gridCol w="1251576">
                   <a:extLst>
                     <a:ext uri="{9D8B030D-6E8A-4147-A177-3AD203B41FA5}">
-                      <a16:colId xmlns:a16="http://schemas.microsoft.com/office/drawing/2014/main" val="3799045304"/>
+                      <a16:colId xmlns:a16="http://schemas.microsoft.com/office/drawing/2014/main" val="1747419834"/>
                     </a:ext>
                   </a:extLst>
                 </a:gridCol>
-                <a:gridCol w="1357460">
+                <a:gridCol w="1251576">
                   <a:extLst>
                     <a:ext uri="{9D8B030D-6E8A-4147-A177-3AD203B41FA5}">
-                      <a16:colId xmlns:a16="http://schemas.microsoft.com/office/drawing/2014/main" val="1614265226"/>
+                      <a16:colId xmlns:a16="http://schemas.microsoft.com/office/drawing/2014/main" val="1882288161"/>
                     </a:ext>
                   </a:extLst>
                 </a:gridCol>
-                <a:gridCol w="1357460">
+                <a:gridCol w="1251576">
                   <a:extLst>
                     <a:ext uri="{9D8B030D-6E8A-4147-A177-3AD203B41FA5}">
-                      <a16:colId xmlns:a16="http://schemas.microsoft.com/office/drawing/2014/main" val="2729521766"/>
+                      <a16:colId xmlns:a16="http://schemas.microsoft.com/office/drawing/2014/main" val="279945685"/>
                     </a:ext>
                   </a:extLst>
                 </a:gridCol>
-                <a:gridCol w="1357460">
+                <a:gridCol w="1251576">
                   <a:extLst>
                     <a:ext uri="{9D8B030D-6E8A-4147-A177-3AD203B41FA5}">
-                      <a16:colId xmlns:a16="http://schemas.microsoft.com/office/drawing/2014/main" val="4205644657"/>
+                      <a16:colId xmlns:a16="http://schemas.microsoft.com/office/drawing/2014/main" val="2397412598"/>
                     </a:ext>
                   </a:extLst>
                 </a:gridCol>
               </a:tblGrid>
-              <a:tr h="228983">
+              <a:tr h="233862">
                 <a:tc>
                   <a:txBody>
                     <a:bodyPr/>
                     <a:lstStyle/>
                     <a:p>
                       <a:pPr algn="ctr" fontAlgn="b"/>
-                      <a:endParaRPr lang="en-US" sz="1600" b="0" i="0" u="none" strike="noStrike" dirty="0">
+                      <a:endParaRPr lang="en-US" sz="1600" b="1" i="0" u="none" strike="noStrike" dirty="0">
                         <a:solidFill>
                           <a:srgbClr val="000000"/>
                         </a:solidFill>
@@ -4254,11 +4265,11 @@
                 </a:tc>
                 <a:extLst>
                   <a:ext uri="{0D108BD9-81ED-4DB2-BD59-A6C34878D82A}">
-                    <a16:rowId xmlns:a16="http://schemas.microsoft.com/office/drawing/2014/main" val="3546345868"/>
+                    <a16:rowId xmlns:a16="http://schemas.microsoft.com/office/drawing/2014/main" val="2680765060"/>
                   </a:ext>
                 </a:extLst>
               </a:tr>
-              <a:tr h="228983">
+              <a:tr h="233862">
                 <a:tc>
                   <a:txBody>
                     <a:bodyPr/>
@@ -4304,7 +4315,7 @@
                           </a:solidFill>
                           <a:effectLst/>
                         </a:rPr>
-                        <a:t>0.000108</a:t>
+                        <a:t>0.007453</a:t>
                       </a:r>
                       <a:endParaRPr lang="en-US" sz="1600" b="0" i="0" u="none" strike="noStrike">
                         <a:solidFill>
@@ -4324,15 +4335,15 @@
                     <a:p>
                       <a:pPr algn="ctr" fontAlgn="b"/>
                       <a:r>
-                        <a:rPr lang="en-US" sz="1600" b="0" u="none" strike="noStrike" dirty="0">
+                        <a:rPr lang="en-US" sz="1600" b="0" u="none" strike="noStrike">
                           <a:solidFill>
                             <a:srgbClr val="000000"/>
                           </a:solidFill>
                           <a:effectLst/>
                         </a:rPr>
-                        <a:t>0.001469</a:t>
+                        <a:t>0.012856</a:t>
                       </a:r>
-                      <a:endParaRPr lang="en-US" sz="1600" b="0" i="0" u="none" strike="noStrike" dirty="0">
+                      <a:endParaRPr lang="en-US" sz="1600" b="0" i="0" u="none" strike="noStrike">
                         <a:solidFill>
                           <a:srgbClr val="000000"/>
                         </a:solidFill>
@@ -4350,15 +4361,15 @@
                     <a:p>
                       <a:pPr algn="ctr" fontAlgn="b"/>
                       <a:r>
-                        <a:rPr lang="en-US" sz="1600" b="0" u="none" strike="noStrike" dirty="0">
+                        <a:rPr lang="en-US" sz="1600" b="0" u="none" strike="noStrike">
                           <a:solidFill>
                             <a:srgbClr val="000000"/>
                           </a:solidFill>
                           <a:effectLst/>
                         </a:rPr>
-                        <a:t>0.302312</a:t>
+                        <a:t>0.19221</a:t>
                       </a:r>
-                      <a:endParaRPr lang="en-US" sz="1600" b="0" i="0" u="none" strike="noStrike" dirty="0">
+                      <a:endParaRPr lang="en-US" sz="1600" b="0" i="0" u="none" strike="noStrike">
                         <a:solidFill>
                           <a:srgbClr val="000000"/>
                         </a:solidFill>
@@ -4371,11 +4382,11 @@
                 </a:tc>
                 <a:extLst>
                   <a:ext uri="{0D108BD9-81ED-4DB2-BD59-A6C34878D82A}">
-                    <a16:rowId xmlns:a16="http://schemas.microsoft.com/office/drawing/2014/main" val="701981216"/>
+                    <a16:rowId xmlns:a16="http://schemas.microsoft.com/office/drawing/2014/main" val="661192192"/>
                   </a:ext>
                 </a:extLst>
               </a:tr>
-              <a:tr h="639243">
+              <a:tr h="652866">
                 <a:tc>
                   <a:txBody>
                     <a:bodyPr/>
@@ -4421,7 +4432,7 @@
                           </a:solidFill>
                           <a:effectLst/>
                         </a:rPr>
-                        <a:t>-7.28E-06</a:t>
+                        <a:t>0.000546</a:t>
                       </a:r>
                       <a:endParaRPr lang="en-US" sz="1600" b="0" i="0" u="none" strike="noStrike">
                         <a:solidFill>
@@ -4447,7 +4458,7 @@
                           </a:solidFill>
                           <a:effectLst/>
                         </a:rPr>
-                        <a:t>-0.01306</a:t>
+                        <a:t>-0.00876</a:t>
                       </a:r>
                       <a:endParaRPr lang="en-US" sz="1600" b="0" i="0" u="none" strike="noStrike">
                         <a:solidFill>
@@ -4467,15 +4478,15 @@
                     <a:p>
                       <a:pPr algn="ctr" fontAlgn="b"/>
                       <a:r>
-                        <a:rPr lang="en-US" sz="1600" b="0" u="none" strike="noStrike" dirty="0">
+                        <a:rPr lang="en-US" sz="1600" b="0" u="none" strike="noStrike">
                           <a:solidFill>
                             <a:srgbClr val="000000"/>
                           </a:solidFill>
                           <a:effectLst/>
                         </a:rPr>
-                        <a:t>0.608512</a:t>
+                        <a:t>0.480285</a:t>
                       </a:r>
-                      <a:endParaRPr lang="en-US" sz="1600" b="0" i="0" u="none" strike="noStrike" dirty="0">
+                      <a:endParaRPr lang="en-US" sz="1600" b="0" i="0" u="none" strike="noStrike">
                         <a:solidFill>
                           <a:srgbClr val="000000"/>
                         </a:solidFill>
@@ -4488,11 +4499,11 @@
                 </a:tc>
                 <a:extLst>
                   <a:ext uri="{0D108BD9-81ED-4DB2-BD59-A6C34878D82A}">
-                    <a16:rowId xmlns:a16="http://schemas.microsoft.com/office/drawing/2014/main" val="3689881902"/>
+                    <a16:rowId xmlns:a16="http://schemas.microsoft.com/office/drawing/2014/main" val="3883339336"/>
                   </a:ext>
                 </a:extLst>
               </a:tr>
-              <a:tr h="429342">
+              <a:tr h="438492">
                 <a:tc>
                   <a:txBody>
                     <a:bodyPr/>
@@ -4500,7 +4511,7 @@
                     <a:p>
                       <a:pPr algn="ctr" fontAlgn="b"/>
                       <a:r>
-                        <a:rPr lang="en-US" sz="1600" b="1" u="none" strike="noStrike" dirty="0" err="1">
+                        <a:rPr lang="en-US" sz="1600" b="1" u="none" strike="noStrike">
                           <a:solidFill>
                             <a:srgbClr val="000000"/>
                           </a:solidFill>
@@ -4508,7 +4519,7 @@
                         </a:rPr>
                         <a:t>perc_income</a:t>
                       </a:r>
-                      <a:endParaRPr lang="en-US" sz="1600" b="1" i="0" u="none" strike="noStrike" dirty="0">
+                      <a:endParaRPr lang="en-US" sz="1600" b="1" i="0" u="none" strike="noStrike">
                         <a:solidFill>
                           <a:srgbClr val="000000"/>
                         </a:solidFill>
@@ -4538,7 +4549,7 @@
                           </a:solidFill>
                           <a:effectLst/>
                         </a:rPr>
-                        <a:t>-4.65E-06</a:t>
+                        <a:t>-0.00033</a:t>
                       </a:r>
                       <a:endParaRPr lang="en-US" sz="1600" b="0" i="0" u="none" strike="noStrike">
                         <a:solidFill>
@@ -4558,15 +4569,15 @@
                     <a:p>
                       <a:pPr algn="ctr" fontAlgn="b"/>
                       <a:r>
-                        <a:rPr lang="en-US" sz="1600" b="0" u="none" strike="noStrike" dirty="0">
+                        <a:rPr lang="en-US" sz="1600" b="0" u="none" strike="noStrike">
                           <a:solidFill>
                             <a:srgbClr val="000000"/>
                           </a:solidFill>
                           <a:effectLst/>
                         </a:rPr>
-                        <a:t>0.211877</a:t>
+                        <a:t>0.364076</a:t>
                       </a:r>
-                      <a:endParaRPr lang="en-US" sz="1600" b="0" i="0" u="none" strike="noStrike" dirty="0">
+                      <a:endParaRPr lang="en-US" sz="1600" b="0" i="0" u="none" strike="noStrike">
                         <a:solidFill>
                           <a:srgbClr val="000000"/>
                         </a:solidFill>
@@ -4584,15 +4595,15 @@
                     <a:p>
                       <a:pPr algn="ctr" fontAlgn="b"/>
                       <a:r>
-                        <a:rPr lang="en-US" sz="1600" b="0" u="none" strike="noStrike" dirty="0">
+                        <a:rPr lang="en-US" sz="1600" b="0" u="none" strike="noStrike">
                           <a:solidFill>
                             <a:srgbClr val="000000"/>
                           </a:solidFill>
                           <a:effectLst/>
                         </a:rPr>
-                        <a:t>0.000164</a:t>
+                        <a:t>3.21E-07</a:t>
                       </a:r>
-                      <a:endParaRPr lang="en-US" sz="1600" b="0" i="0" u="none" strike="noStrike" dirty="0">
+                      <a:endParaRPr lang="en-US" sz="1600" b="0" i="0" u="none" strike="noStrike">
                         <a:solidFill>
                           <a:srgbClr val="000000"/>
                         </a:solidFill>
@@ -4605,11 +4616,11 @@
                 </a:tc>
                 <a:extLst>
                   <a:ext uri="{0D108BD9-81ED-4DB2-BD59-A6C34878D82A}">
-                    <a16:rowId xmlns:a16="http://schemas.microsoft.com/office/drawing/2014/main" val="4132576038"/>
+                    <a16:rowId xmlns:a16="http://schemas.microsoft.com/office/drawing/2014/main" val="2469723444"/>
                   </a:ext>
                 </a:extLst>
               </a:tr>
-              <a:tr h="429342">
+              <a:tr h="438492">
                 <a:tc>
                   <a:txBody>
                     <a:bodyPr/>
@@ -4655,7 +4666,7 @@
                           </a:solidFill>
                           <a:effectLst/>
                         </a:rPr>
-                        <a:t>-5.78E-09</a:t>
+                        <a:t>-4.06E-07</a:t>
                       </a:r>
                       <a:endParaRPr lang="en-US" sz="1600" b="0" i="0" u="none" strike="noStrike">
                         <a:solidFill>
@@ -4681,7 +4692,7 @@
                           </a:solidFill>
                           <a:effectLst/>
                         </a:rPr>
-                        <a:t>0.212069</a:t>
+                        <a:t>0.364199</a:t>
                       </a:r>
                       <a:endParaRPr lang="en-US" sz="1600" b="0" i="0" u="none" strike="noStrike">
                         <a:solidFill>
@@ -4701,15 +4712,15 @@
                     <a:p>
                       <a:pPr algn="ctr" fontAlgn="b"/>
                       <a:r>
-                        <a:rPr lang="en-US" sz="1600" b="0" u="none" strike="noStrike" dirty="0">
+                        <a:rPr lang="en-US" sz="1600" b="0" u="none" strike="noStrike">
                           <a:solidFill>
                             <a:srgbClr val="000000"/>
                           </a:solidFill>
                           <a:effectLst/>
                         </a:rPr>
-                        <a:t>0.000163</a:t>
+                        <a:t>3.20E-07</a:t>
                       </a:r>
-                      <a:endParaRPr lang="en-US" sz="1600" b="0" i="0" u="none" strike="noStrike" dirty="0">
+                      <a:endParaRPr lang="en-US" sz="1600" b="0" i="0" u="none" strike="noStrike">
                         <a:solidFill>
                           <a:srgbClr val="000000"/>
                         </a:solidFill>
@@ -4722,11 +4733,11 @@
                 </a:tc>
                 <a:extLst>
                   <a:ext uri="{0D108BD9-81ED-4DB2-BD59-A6C34878D82A}">
-                    <a16:rowId xmlns:a16="http://schemas.microsoft.com/office/drawing/2014/main" val="1243776740"/>
+                    <a16:rowId xmlns:a16="http://schemas.microsoft.com/office/drawing/2014/main" val="1851827880"/>
                   </a:ext>
                 </a:extLst>
               </a:tr>
-              <a:tr h="429342">
+              <a:tr h="438492">
                 <a:tc>
                   <a:txBody>
                     <a:bodyPr/>
@@ -4772,7 +4783,7 @@
                           </a:solidFill>
                           <a:effectLst/>
                         </a:rPr>
-                        <a:t>2.42E-05</a:t>
+                        <a:t>0.003179</a:t>
                       </a:r>
                       <a:endParaRPr lang="en-US" sz="1600" b="0" i="0" u="none" strike="noStrike">
                         <a:solidFill>
@@ -4798,7 +4809,7 @@
                           </a:solidFill>
                           <a:effectLst/>
                         </a:rPr>
-                        <a:t>0.029548</a:t>
+                        <a:t>0.258027</a:t>
                       </a:r>
                       <a:endParaRPr lang="en-US" sz="1600" b="0" i="0" u="none" strike="noStrike">
                         <a:solidFill>
@@ -4824,7 +4835,7 @@
                           </a:solidFill>
                           <a:effectLst/>
                         </a:rPr>
-                        <a:t>0.103736</a:t>
+                        <a:t>2.80E-05</a:t>
                       </a:r>
                       <a:endParaRPr lang="en-US" sz="1600" b="0" i="0" u="none" strike="noStrike" dirty="0">
                         <a:solidFill>
@@ -4839,11 +4850,11 @@
                 </a:tc>
                 <a:extLst>
                   <a:ext uri="{0D108BD9-81ED-4DB2-BD59-A6C34878D82A}">
-                    <a16:rowId xmlns:a16="http://schemas.microsoft.com/office/drawing/2014/main" val="412581653"/>
+                    <a16:rowId xmlns:a16="http://schemas.microsoft.com/office/drawing/2014/main" val="3923132949"/>
                   </a:ext>
                 </a:extLst>
               </a:tr>
-              <a:tr h="429342">
+              <a:tr h="438492">
                 <a:tc>
                   <a:txBody>
                     <a:bodyPr/>
@@ -4889,7 +4900,7 @@
                           </a:solidFill>
                           <a:effectLst/>
                         </a:rPr>
-                        <a:t>2.63E-05</a:t>
+                        <a:t>0.001347</a:t>
                       </a:r>
                       <a:endParaRPr lang="en-US" sz="1600" b="0" i="0" u="none" strike="noStrike">
                         <a:solidFill>
@@ -4915,7 +4926,7 @@
                           </a:solidFill>
                           <a:effectLst/>
                         </a:rPr>
-                        <a:t>0.149553</a:t>
+                        <a:t>0.130298</a:t>
                       </a:r>
                       <a:endParaRPr lang="en-US" sz="1600" b="0" i="0" u="none" strike="noStrike">
                         <a:solidFill>
@@ -4935,15 +4946,15 @@
                     <a:p>
                       <a:pPr algn="ctr" fontAlgn="b"/>
                       <a:r>
-                        <a:rPr lang="en-US" sz="1600" b="0" u="none" strike="noStrike" dirty="0">
+                        <a:rPr lang="en-US" sz="1600" b="0" u="none" strike="noStrike">
                           <a:solidFill>
                             <a:srgbClr val="000000"/>
                           </a:solidFill>
                           <a:effectLst/>
                         </a:rPr>
-                        <a:t>0.001587</a:t>
+                        <a:t>0.003127</a:t>
                       </a:r>
-                      <a:endParaRPr lang="en-US" sz="1600" b="0" i="0" u="none" strike="noStrike" dirty="0">
+                      <a:endParaRPr lang="en-US" sz="1600" b="0" i="0" u="none" strike="noStrike">
                         <a:solidFill>
                           <a:srgbClr val="000000"/>
                         </a:solidFill>
@@ -4956,11 +4967,11 @@
                 </a:tc>
                 <a:extLst>
                   <a:ext uri="{0D108BD9-81ED-4DB2-BD59-A6C34878D82A}">
-                    <a16:rowId xmlns:a16="http://schemas.microsoft.com/office/drawing/2014/main" val="478377324"/>
+                    <a16:rowId xmlns:a16="http://schemas.microsoft.com/office/drawing/2014/main" val="1322902939"/>
                   </a:ext>
                 </a:extLst>
               </a:tr>
-              <a:tr h="429342">
+              <a:tr h="438492">
                 <a:tc>
                   <a:txBody>
                     <a:bodyPr/>
@@ -5006,7 +5017,7 @@
                           </a:solidFill>
                           <a:effectLst/>
                         </a:rPr>
-                        <a:t>1.42E-05</a:t>
+                        <a:t>0.000812</a:t>
                       </a:r>
                       <a:endParaRPr lang="en-US" sz="1600" b="0" i="0" u="none" strike="noStrike">
                         <a:solidFill>
@@ -5032,7 +5043,7 @@
                           </a:solidFill>
                           <a:effectLst/>
                         </a:rPr>
-                        <a:t>0.113373</a:t>
+                        <a:t>0.126325</a:t>
                       </a:r>
                       <a:endParaRPr lang="en-US" sz="1600" b="0" i="0" u="none" strike="noStrike">
                         <a:solidFill>
@@ -5052,15 +5063,15 @@
                     <a:p>
                       <a:pPr algn="ctr" fontAlgn="b"/>
                       <a:r>
-                        <a:rPr lang="en-US" sz="1600" b="0" u="none" strike="noStrike" dirty="0">
+                        <a:rPr lang="en-US" sz="1600" b="0" u="none" strike="noStrike">
                           <a:solidFill>
                             <a:srgbClr val="000000"/>
                           </a:solidFill>
                           <a:effectLst/>
                         </a:rPr>
-                        <a:t>0.00564</a:t>
+                        <a:t>0.003593</a:t>
                       </a:r>
-                      <a:endParaRPr lang="en-US" sz="1600" b="0" i="0" u="none" strike="noStrike" dirty="0">
+                      <a:endParaRPr lang="en-US" sz="1600" b="0" i="0" u="none" strike="noStrike">
                         <a:solidFill>
                           <a:srgbClr val="000000"/>
                         </a:solidFill>
@@ -5073,11 +5084,11 @@
                 </a:tc>
                 <a:extLst>
                   <a:ext uri="{0D108BD9-81ED-4DB2-BD59-A6C34878D82A}">
-                    <a16:rowId xmlns:a16="http://schemas.microsoft.com/office/drawing/2014/main" val="1769062805"/>
+                    <a16:rowId xmlns:a16="http://schemas.microsoft.com/office/drawing/2014/main" val="4293644150"/>
                   </a:ext>
                 </a:extLst>
               </a:tr>
-              <a:tr h="228983">
+              <a:tr h="233862">
                 <a:tc>
                   <a:txBody>
                     <a:bodyPr/>
@@ -5123,7 +5134,7 @@
                           </a:solidFill>
                           <a:effectLst/>
                         </a:rPr>
-                        <a:t>-1.11E-05</a:t>
+                        <a:t>-0.00074</a:t>
                       </a:r>
                       <a:endParaRPr lang="en-US" sz="1600" b="0" i="0" u="none" strike="noStrike">
                         <a:solidFill>
@@ -5149,7 +5160,7 @@
                           </a:solidFill>
                           <a:effectLst/>
                         </a:rPr>
-                        <a:t>0.241479</a:t>
+                        <a:t>0.376452</a:t>
                       </a:r>
                       <a:endParaRPr lang="en-US" sz="1600" b="0" i="0" u="none" strike="noStrike">
                         <a:solidFill>
@@ -5169,15 +5180,15 @@
                     <a:p>
                       <a:pPr algn="ctr" fontAlgn="b"/>
                       <a:r>
-                        <a:rPr lang="en-US" sz="1600" b="0" u="none" strike="noStrike" dirty="0">
+                        <a:rPr lang="en-US" sz="1600" b="0" u="none" strike="noStrike">
                           <a:solidFill>
                             <a:srgbClr val="000000"/>
                           </a:solidFill>
                           <a:effectLst/>
                         </a:rPr>
-                        <a:t>5.33E-05</a:t>
+                        <a:t>1.83E-07</a:t>
                       </a:r>
-                      <a:endParaRPr lang="en-US" sz="1600" b="0" i="0" u="none" strike="noStrike" dirty="0">
+                      <a:endParaRPr lang="en-US" sz="1600" b="0" i="0" u="none" strike="noStrike">
                         <a:solidFill>
                           <a:srgbClr val="000000"/>
                         </a:solidFill>
@@ -5190,11 +5201,11 @@
                 </a:tc>
                 <a:extLst>
                   <a:ext uri="{0D108BD9-81ED-4DB2-BD59-A6C34878D82A}">
-                    <a16:rowId xmlns:a16="http://schemas.microsoft.com/office/drawing/2014/main" val="2631180215"/>
+                    <a16:rowId xmlns:a16="http://schemas.microsoft.com/office/drawing/2014/main" val="1568306104"/>
                   </a:ext>
                 </a:extLst>
               </a:tr>
-              <a:tr h="228983">
+              <a:tr h="233862">
                 <a:tc>
                   <a:txBody>
                     <a:bodyPr/>
@@ -5234,15 +5245,15 @@
                     <a:p>
                       <a:pPr algn="ctr" fontAlgn="b"/>
                       <a:r>
-                        <a:rPr lang="en-US" sz="1600" b="0" u="none" strike="noStrike" dirty="0">
+                        <a:rPr lang="en-US" sz="1600" b="0" u="none" strike="noStrike">
                           <a:solidFill>
                             <a:srgbClr val="000000"/>
                           </a:solidFill>
                           <a:effectLst/>
                         </a:rPr>
-                        <a:t>-0.00142</a:t>
+                        <a:t>-0.08789</a:t>
                       </a:r>
-                      <a:endParaRPr lang="en-US" sz="1600" b="0" i="0" u="none" strike="noStrike" dirty="0">
+                      <a:endParaRPr lang="en-US" sz="1600" b="0" i="0" u="none" strike="noStrike">
                         <a:solidFill>
                           <a:srgbClr val="000000"/>
                         </a:solidFill>
@@ -5266,7 +5277,7 @@
                           </a:solidFill>
                           <a:effectLst/>
                         </a:rPr>
-                        <a:t>0.377058</a:t>
+                        <a:t>0.493267</a:t>
                       </a:r>
                       <a:endParaRPr lang="en-US" sz="1600" b="0" i="0" u="none" strike="noStrike">
                         <a:solidFill>
@@ -5292,7 +5303,7 @@
                           </a:solidFill>
                           <a:effectLst/>
                         </a:rPr>
-                        <a:t>1.78E-07</a:t>
+                        <a:t>4.86E-10</a:t>
                       </a:r>
                       <a:endParaRPr lang="en-US" sz="1600" b="0" i="0" u="none" strike="noStrike" dirty="0">
                         <a:solidFill>
@@ -5307,7 +5318,7 @@
                 </a:tc>
                 <a:extLst>
                   <a:ext uri="{0D108BD9-81ED-4DB2-BD59-A6C34878D82A}">
-                    <a16:rowId xmlns:a16="http://schemas.microsoft.com/office/drawing/2014/main" val="2340006171"/>
+                    <a16:rowId xmlns:a16="http://schemas.microsoft.com/office/drawing/2014/main" val="3491351388"/>
                   </a:ext>
                 </a:extLst>
               </a:tr>
@@ -5315,6 +5326,55 @@
           </a:graphicData>
         </a:graphic>
       </p:graphicFrame>
+      <p:sp>
+        <p:nvSpPr>
+          <p:cNvPr id="7" name="TextBox 6">
+            <a:extLst>
+              <a:ext uri="{FF2B5EF4-FFF2-40B4-BE49-F238E27FC236}">
+                <a16:creationId xmlns:a16="http://schemas.microsoft.com/office/drawing/2014/main" id="{3BBFB8F1-4B58-4CD9-82E5-2BEC8EA3C494}"/>
+              </a:ext>
+            </a:extLst>
+          </p:cNvPr>
+          <p:cNvSpPr txBox="1"/>
+          <p:nvPr/>
+        </p:nvSpPr>
+        <p:spPr>
+          <a:xfrm>
+            <a:off x="7437749" y="2253004"/>
+            <a:ext cx="3916052" cy="2862322"/>
+          </a:xfrm>
+          <a:prstGeom prst="rect">
+            <a:avLst/>
+          </a:prstGeom>
+          <a:noFill/>
+        </p:spPr>
+        <p:txBody>
+          <a:bodyPr wrap="square" rtlCol="0">
+            <a:spAutoFit/>
+          </a:bodyPr>
+          <a:lstStyle/>
+          <a:p>
+            <a:pPr marL="285750" indent="-285750">
+              <a:buFont typeface="Arial" panose="020B0604020202020204" pitchFamily="34" charset="0"/>
+              <a:buChar char="•"/>
+            </a:pPr>
+            <a:r>
+              <a:rPr lang="en-US" dirty="0"/>
+              <a:t>Household income, percentage of people with high education (college), and number of fully vaccinated people (normalized by population) are negatively associated with Incidence of COVID-19</a:t>
+            </a:r>
+          </a:p>
+          <a:p>
+            <a:pPr marL="285750" indent="-285750">
+              <a:buFont typeface="Arial" panose="020B0604020202020204" pitchFamily="34" charset="0"/>
+              <a:buChar char="•"/>
+            </a:pPr>
+            <a:r>
+              <a:rPr lang="en-US" dirty="0"/>
+              <a:t>Rurality and percentage of poverty are positively associated with COVID-19 incidence.  </a:t>
+            </a:r>
+          </a:p>
+        </p:txBody>
+      </p:sp>
     </p:spTree>
     <p:extLst>
       <p:ext uri="{BB962C8B-B14F-4D97-AF65-F5344CB8AC3E}">
@@ -5368,6 +5428,13 @@
           <a:p>
             <a:r>
               <a:rPr lang="en-US" dirty="0"/>
+              <a:t>Between Aug01- Today</a:t>
+            </a:r>
+            <a:br>
+              <a:rPr lang="en-US" dirty="0"/>
+            </a:br>
+            <a:r>
+              <a:rPr lang="en-US" dirty="0"/>
               <a:t>Univariate model for Mortality</a:t>
             </a:r>
           </a:p>
@@ -5388,7 +5455,7 @@
           <p:nvPr>
             <p:extLst>
               <p:ext uri="{D42A27DB-BD31-4B8C-83A1-F6EECF244321}">
-                <p14:modId xmlns:p14="http://schemas.microsoft.com/office/powerpoint/2010/main" val="1083027681"/>
+                <p14:modId xmlns:p14="http://schemas.microsoft.com/office/powerpoint/2010/main" val="3117826528"/>
               </p:ext>
             </p:extLst>
           </p:nvPr>
@@ -5466,7 +5533,7 @@
                     <a:p>
                       <a:pPr marL="0" algn="ctr" defTabSz="914400" rtl="0" eaLnBrk="1" fontAlgn="b" latinLnBrk="0" hangingPunct="1"/>
                       <a:r>
-                        <a:rPr lang="en-US" sz="1600" b="0" u="none" strike="noStrike" kern="1200" dirty="0">
+                        <a:rPr lang="en-US" sz="1600" b="1" u="none" strike="noStrike" kern="1200" dirty="0">
                           <a:solidFill>
                             <a:srgbClr val="000000"/>
                           </a:solidFill>
@@ -5474,7 +5541,7 @@
                         </a:rPr>
                         <a:t>beta</a:t>
                       </a:r>
-                      <a:endParaRPr lang="en-US" sz="1600" b="0" i="0" u="none" strike="noStrike" kern="1200" dirty="0">
+                      <a:endParaRPr lang="en-US" sz="1600" b="1" i="0" u="none" strike="noStrike" kern="1200" dirty="0">
                         <a:solidFill>
                           <a:srgbClr val="000000"/>
                         </a:solidFill>
@@ -5500,7 +5567,7 @@
                     <a:p>
                       <a:pPr marL="0" algn="ctr" defTabSz="914400" rtl="0" eaLnBrk="1" fontAlgn="b" latinLnBrk="0" hangingPunct="1"/>
                       <a:r>
-                        <a:rPr lang="en-US" sz="1600" b="0" u="none" strike="noStrike" kern="1200" dirty="0" err="1">
+                        <a:rPr lang="en-US" sz="1600" b="1" u="none" strike="noStrike" kern="1200" dirty="0" err="1">
                           <a:solidFill>
                             <a:srgbClr val="000000"/>
                           </a:solidFill>
@@ -5508,7 +5575,7 @@
                         </a:rPr>
                         <a:t>rsq</a:t>
                       </a:r>
-                      <a:endParaRPr lang="en-US" sz="1600" b="0" i="0" u="none" strike="noStrike" kern="1200" dirty="0">
+                      <a:endParaRPr lang="en-US" sz="1600" b="1" i="0" u="none" strike="noStrike" kern="1200" dirty="0">
                         <a:solidFill>
                           <a:srgbClr val="000000"/>
                         </a:solidFill>
@@ -5534,7 +5601,7 @@
                     <a:p>
                       <a:pPr marL="0" algn="ctr" defTabSz="914400" rtl="0" eaLnBrk="1" fontAlgn="b" latinLnBrk="0" hangingPunct="1"/>
                       <a:r>
-                        <a:rPr lang="en-US" sz="1600" b="0" u="none" strike="noStrike" kern="1200" dirty="0" err="1">
+                        <a:rPr lang="en-US" sz="1600" b="1" u="none" strike="noStrike" kern="1200" dirty="0" err="1">
                           <a:solidFill>
                             <a:srgbClr val="000000"/>
                           </a:solidFill>
@@ -5542,7 +5609,7 @@
                         </a:rPr>
                         <a:t>pval</a:t>
                       </a:r>
-                      <a:endParaRPr lang="en-US" sz="1600" b="0" i="0" u="none" strike="noStrike" kern="1200" dirty="0">
+                      <a:endParaRPr lang="en-US" sz="1600" b="1" i="0" u="none" strike="noStrike" kern="1200" dirty="0">
                         <a:solidFill>
                           <a:srgbClr val="000000"/>
                         </a:solidFill>
@@ -5575,7 +5642,7 @@
                     <a:p>
                       <a:pPr marL="0" algn="ctr" defTabSz="914400" rtl="0" eaLnBrk="1" fontAlgn="b" latinLnBrk="0" hangingPunct="1"/>
                       <a:r>
-                        <a:rPr lang="en-US" sz="1600" b="0" u="none" strike="noStrike" kern="1200">
+                        <a:rPr lang="en-US" sz="1600" b="1" u="none" strike="noStrike" kern="1200" dirty="0" err="1">
                           <a:solidFill>
                             <a:srgbClr val="000000"/>
                           </a:solidFill>
@@ -5583,7 +5650,7 @@
                         </a:rPr>
                         <a:t>diff_ntest</a:t>
                       </a:r>
-                      <a:endParaRPr lang="en-US" sz="1600" b="0" i="0" u="none" strike="noStrike" kern="1200">
+                      <a:endParaRPr lang="en-US" sz="1600" b="1" i="0" u="none" strike="noStrike" kern="1200" dirty="0">
                         <a:solidFill>
                           <a:srgbClr val="000000"/>
                         </a:solidFill>
@@ -5700,7 +5767,7 @@
                     <a:p>
                       <a:pPr marL="0" algn="ctr" defTabSz="914400" rtl="0" eaLnBrk="1" fontAlgn="b" latinLnBrk="0" hangingPunct="1"/>
                       <a:r>
-                        <a:rPr lang="en-US" sz="1600" b="0" u="none" strike="noStrike" kern="1200" dirty="0">
+                        <a:rPr lang="en-US" sz="1600" b="1" u="none" strike="noStrike" kern="1200" dirty="0">
                           <a:solidFill>
                             <a:srgbClr val="000000"/>
                           </a:solidFill>
@@ -5708,7 +5775,7 @@
                         </a:rPr>
                         <a:t>unemployment_2020</a:t>
                       </a:r>
-                      <a:endParaRPr lang="en-US" sz="1600" b="0" i="0" u="none" strike="noStrike" kern="1200" dirty="0">
+                      <a:endParaRPr lang="en-US" sz="1600" b="1" i="0" u="none" strike="noStrike" kern="1200" dirty="0">
                         <a:solidFill>
                           <a:srgbClr val="000000"/>
                         </a:solidFill>
@@ -5825,7 +5892,7 @@
                     <a:p>
                       <a:pPr marL="0" algn="ctr" defTabSz="914400" rtl="0" eaLnBrk="1" fontAlgn="b" latinLnBrk="0" hangingPunct="1"/>
                       <a:r>
-                        <a:rPr lang="en-US" sz="1600" b="0" u="none" strike="noStrike" kern="1200">
+                        <a:rPr lang="en-US" sz="1600" b="1" u="none" strike="noStrike" kern="1200" dirty="0" err="1">
                           <a:solidFill>
                             <a:srgbClr val="000000"/>
                           </a:solidFill>
@@ -5833,7 +5900,7 @@
                         </a:rPr>
                         <a:t>perc_income</a:t>
                       </a:r>
-                      <a:endParaRPr lang="en-US" sz="1600" b="0" i="0" u="none" strike="noStrike" kern="1200">
+                      <a:endParaRPr lang="en-US" sz="1600" b="1" i="0" u="none" strike="noStrike" kern="1200" dirty="0">
                         <a:solidFill>
                           <a:srgbClr val="000000"/>
                         </a:solidFill>
@@ -5950,7 +6017,7 @@
                     <a:p>
                       <a:pPr marL="0" algn="ctr" defTabSz="914400" rtl="0" eaLnBrk="1" fontAlgn="b" latinLnBrk="0" hangingPunct="1"/>
                       <a:r>
-                        <a:rPr lang="en-US" sz="1600" b="0" u="none" strike="noStrike" kern="1200" dirty="0" err="1">
+                        <a:rPr lang="en-US" sz="1600" b="1" u="none" strike="noStrike" kern="1200" dirty="0" err="1">
                           <a:solidFill>
                             <a:srgbClr val="000000"/>
                           </a:solidFill>
@@ -5958,7 +6025,7 @@
                         </a:rPr>
                         <a:t>hhold_income</a:t>
                       </a:r>
-                      <a:endParaRPr lang="en-US" sz="1600" b="0" i="0" u="none" strike="noStrike" kern="1200" dirty="0">
+                      <a:endParaRPr lang="en-US" sz="1600" b="1" i="0" u="none" strike="noStrike" kern="1200" dirty="0">
                         <a:solidFill>
                           <a:srgbClr val="000000"/>
                         </a:solidFill>
@@ -6075,7 +6142,7 @@
                     <a:p>
                       <a:pPr marL="0" algn="ctr" defTabSz="914400" rtl="0" eaLnBrk="1" fontAlgn="b" latinLnBrk="0" hangingPunct="1"/>
                       <a:r>
-                        <a:rPr lang="en-US" sz="1600" b="0" u="none" strike="noStrike" kern="1200">
+                        <a:rPr lang="en-US" sz="1600" b="1" u="none" strike="noStrike" kern="1200" dirty="0" err="1">
                           <a:solidFill>
                             <a:srgbClr val="000000"/>
                           </a:solidFill>
@@ -6083,7 +6150,7 @@
                         </a:rPr>
                         <a:t>RUC_Code</a:t>
                       </a:r>
-                      <a:endParaRPr lang="en-US" sz="1600" b="0" i="0" u="none" strike="noStrike" kern="1200">
+                      <a:endParaRPr lang="en-US" sz="1600" b="1" i="0" u="none" strike="noStrike" kern="1200" dirty="0">
                         <a:solidFill>
                           <a:srgbClr val="000000"/>
                         </a:solidFill>
@@ -6200,7 +6267,7 @@
                     <a:p>
                       <a:pPr marL="0" algn="ctr" defTabSz="914400" rtl="0" eaLnBrk="1" fontAlgn="b" latinLnBrk="0" hangingPunct="1"/>
                       <a:r>
-                        <a:rPr lang="en-US" sz="1600" b="0" u="none" strike="noStrike" kern="1200">
+                        <a:rPr lang="en-US" sz="1600" b="1" u="none" strike="noStrike" kern="1200" dirty="0" err="1">
                           <a:solidFill>
                             <a:srgbClr val="000000"/>
                           </a:solidFill>
@@ -6208,7 +6275,7 @@
                         </a:rPr>
                         <a:t>poverty_all</a:t>
                       </a:r>
-                      <a:endParaRPr lang="en-US" sz="1600" b="0" i="0" u="none" strike="noStrike" kern="1200">
+                      <a:endParaRPr lang="en-US" sz="1600" b="1" i="0" u="none" strike="noStrike" kern="1200" dirty="0">
                         <a:solidFill>
                           <a:srgbClr val="000000"/>
                         </a:solidFill>
@@ -6325,7 +6392,7 @@
                     <a:p>
                       <a:pPr marL="0" algn="ctr" defTabSz="914400" rtl="0" eaLnBrk="1" fontAlgn="b" latinLnBrk="0" hangingPunct="1"/>
                       <a:r>
-                        <a:rPr lang="en-US" sz="1600" b="0" u="none" strike="noStrike" kern="1200" dirty="0">
+                        <a:rPr lang="en-US" sz="1600" b="1" u="none" strike="noStrike" kern="1200" dirty="0">
                           <a:solidFill>
                             <a:srgbClr val="000000"/>
                           </a:solidFill>
@@ -6333,7 +6400,7 @@
                         </a:rPr>
                         <a:t>poverty_17</a:t>
                       </a:r>
-                      <a:endParaRPr lang="en-US" sz="1600" b="0" i="0" u="none" strike="noStrike" kern="1200" dirty="0">
+                      <a:endParaRPr lang="en-US" sz="1600" b="1" i="0" u="none" strike="noStrike" kern="1200" dirty="0">
                         <a:solidFill>
                           <a:srgbClr val="000000"/>
                         </a:solidFill>
@@ -6450,7 +6517,7 @@
                     <a:p>
                       <a:pPr marL="0" algn="ctr" defTabSz="914400" rtl="0" eaLnBrk="1" fontAlgn="b" latinLnBrk="0" hangingPunct="1"/>
                       <a:r>
-                        <a:rPr lang="en-US" sz="1600" b="0" u="none" strike="noStrike" kern="1200">
+                        <a:rPr lang="en-US" sz="1600" b="1" u="none" strike="noStrike" kern="1200" dirty="0" err="1">
                           <a:solidFill>
                             <a:srgbClr val="000000"/>
                           </a:solidFill>
@@ -6458,7 +6525,7 @@
                         </a:rPr>
                         <a:t>hi_edu</a:t>
                       </a:r>
-                      <a:endParaRPr lang="en-US" sz="1600" b="0" i="0" u="none" strike="noStrike" kern="1200">
+                      <a:endParaRPr lang="en-US" sz="1600" b="1" i="0" u="none" strike="noStrike" kern="1200" dirty="0">
                         <a:solidFill>
                           <a:srgbClr val="000000"/>
                         </a:solidFill>
@@ -6575,7 +6642,7 @@
                     <a:p>
                       <a:pPr marL="0" algn="ctr" defTabSz="914400" rtl="0" eaLnBrk="1" fontAlgn="b" latinLnBrk="0" hangingPunct="1"/>
                       <a:r>
-                        <a:rPr lang="en-US" sz="1600" b="0" u="none" strike="noStrike" kern="1200" dirty="0" err="1">
+                        <a:rPr lang="en-US" sz="1600" b="1" u="none" strike="noStrike" kern="1200" dirty="0" err="1">
                           <a:solidFill>
                             <a:srgbClr val="000000"/>
                           </a:solidFill>
@@ -6583,7 +6650,7 @@
                         </a:rPr>
                         <a:t>nfullyvacc</a:t>
                       </a:r>
-                      <a:endParaRPr lang="en-US" sz="1600" b="0" i="0" u="none" strike="noStrike" kern="1200" dirty="0">
+                      <a:endParaRPr lang="en-US" sz="1600" b="1" i="0" u="none" strike="noStrike" kern="1200" dirty="0">
                         <a:solidFill>
                           <a:srgbClr val="000000"/>
                         </a:solidFill>
@@ -6696,6 +6763,55 @@
           </a:graphicData>
         </a:graphic>
       </p:graphicFrame>
+      <p:sp>
+        <p:nvSpPr>
+          <p:cNvPr id="5" name="TextBox 4">
+            <a:extLst>
+              <a:ext uri="{FF2B5EF4-FFF2-40B4-BE49-F238E27FC236}">
+                <a16:creationId xmlns:a16="http://schemas.microsoft.com/office/drawing/2014/main" id="{7C34AB2D-4E0F-4B56-A1EE-12BAEEFB673F}"/>
+              </a:ext>
+            </a:extLst>
+          </p:cNvPr>
+          <p:cNvSpPr txBox="1"/>
+          <p:nvPr/>
+        </p:nvSpPr>
+        <p:spPr>
+          <a:xfrm>
+            <a:off x="7437749" y="2253004"/>
+            <a:ext cx="3916052" cy="2862322"/>
+          </a:xfrm>
+          <a:prstGeom prst="rect">
+            <a:avLst/>
+          </a:prstGeom>
+          <a:noFill/>
+        </p:spPr>
+        <p:txBody>
+          <a:bodyPr wrap="square" rtlCol="0">
+            <a:spAutoFit/>
+          </a:bodyPr>
+          <a:lstStyle/>
+          <a:p>
+            <a:pPr marL="285750" indent="-285750">
+              <a:buFont typeface="Arial" panose="020B0604020202020204" pitchFamily="34" charset="0"/>
+              <a:buChar char="•"/>
+            </a:pPr>
+            <a:r>
+              <a:rPr lang="en-US" dirty="0"/>
+              <a:t>Household income, percentage of people with high education (college), and number of fully vaccinated people (normalized by population) are negatively associated with mortality of COVID-19</a:t>
+            </a:r>
+          </a:p>
+          <a:p>
+            <a:pPr marL="285750" indent="-285750">
+              <a:buFont typeface="Arial" panose="020B0604020202020204" pitchFamily="34" charset="0"/>
+              <a:buChar char="•"/>
+            </a:pPr>
+            <a:r>
+              <a:rPr lang="en-US" dirty="0"/>
+              <a:t>Rurality and percentage of poverty are positively associated with COVID-19 mortality.  </a:t>
+            </a:r>
+          </a:p>
+        </p:txBody>
+      </p:sp>
     </p:spTree>
     <p:extLst>
       <p:ext uri="{BB962C8B-B14F-4D97-AF65-F5344CB8AC3E}">
@@ -6772,7 +6888,7 @@
         </p:nvSpPr>
         <p:spPr>
           <a:xfrm>
-            <a:off x="838200" y="1787918"/>
+            <a:off x="838200" y="1797345"/>
             <a:ext cx="10515600" cy="1021270"/>
           </a:xfrm>
         </p:spPr>
@@ -6884,7 +7000,7 @@
         </p:nvSpPr>
         <p:spPr>
           <a:xfrm>
-            <a:off x="935611" y="2838836"/>
+            <a:off x="935611" y="2848263"/>
             <a:ext cx="8708010" cy="3416320"/>
           </a:xfrm>
           <a:prstGeom prst="rect">
@@ -7115,7 +7231,7 @@
         <p:spPr>
           <a:xfrm>
             <a:off x="8229601" y="3428999"/>
-            <a:ext cx="2743200" cy="2308324"/>
+            <a:ext cx="2743200" cy="3139321"/>
           </a:xfrm>
           <a:prstGeom prst="rect">
             <a:avLst/>
@@ -7134,7 +7250,7 @@
             </a:pPr>
             <a:r>
               <a:rPr lang="en-US" dirty="0"/>
-              <a:t>Normalized n of fully vaccinated people and normalized n of tests is significant. </a:t>
+              <a:t>After adjusting the model, Normalized n of fully vaccinated people and normalized n of tests are significantly associated with lower incidence. </a:t>
             </a:r>
           </a:p>
           <a:p>
@@ -7567,8 +7683,8 @@
         </p:nvSpPr>
         <p:spPr>
           <a:xfrm>
-            <a:off x="8229601" y="3428999"/>
-            <a:ext cx="2743200" cy="2308324"/>
+            <a:off x="8022210" y="3124688"/>
+            <a:ext cx="3331589" cy="2585323"/>
           </a:xfrm>
           <a:prstGeom prst="rect">
             <a:avLst/>
@@ -7587,7 +7703,7 @@
             </a:pPr>
             <a:r>
               <a:rPr lang="en-US" dirty="0"/>
-              <a:t>Only Normalized n of fully vaccinated people is significant.</a:t>
+              <a:t>After adjusting the model, only Normalized n of fully vaccinated people is negatively associated with lower mortality.</a:t>
             </a:r>
           </a:p>
           <a:p>
@@ -7597,7 +7713,7 @@
             </a:pPr>
             <a:r>
               <a:rPr lang="en-US" dirty="0"/>
-              <a:t> percentage of unemployment and number of tests have a trend with the outcome.  </a:t>
+              <a:t>Percentage of unemployment and number of tests have a trend with the outcome of COVID-19 mortality. </a:t>
             </a:r>
           </a:p>
         </p:txBody>
